--- a/brian slide.pptx
+++ b/brian slide.pptx
@@ -626,13 +626,23 @@
             </a:r>
             <a:r>
               <a:rPr lang="en-US" baseline="0" dirty="0" smtClean="0"/>
-              <a:t> Sets of Robotic Laws, Runaround = Short story introduced by Asimov about a space trip to </a:t>
-            </a:r>
-            <a:r>
-              <a:rPr lang="en-US" baseline="0" smtClean="0"/>
-              <a:t>Mercury involving the use of </a:t>
-            </a:r>
-            <a:endParaRPr lang="en-US" baseline="0" dirty="0" smtClean="0"/>
+              <a:t> Sets of Robotic Laws, Runaround = Short story introduced by Asimov about a space trip to Mercury involving the use of</a:t>
+            </a:r>
+          </a:p>
+          <a:p>
+            <a:pPr marL="228600" indent="-228600">
+              <a:buNone/>
+            </a:pPr>
+            <a:r>
+              <a:rPr lang="en-US" dirty="0" smtClean="0">
+                <a:hlinkClick r:id="rId3"/>
+              </a:rPr>
+              <a:t>http://www.rci.rutgers.edu/~cfs/472_html/Intro/NYT_Intro/History/Runaround.html</a:t>
+            </a:r>
+            <a:r>
+              <a:rPr lang="en-US" baseline="0" dirty="0" smtClean="0"/>
+              <a:t> </a:t>
+            </a:r>
           </a:p>
           <a:p>
             <a:r>
@@ -665,10 +675,8 @@
                 <a:ea typeface="+mn-ea"/>
                 <a:cs typeface="+mn-cs"/>
               </a:rPr>
-              <a:t>	A robot may not injure a human being, or, through inaction, allow a human being to come to harm.</a:t>
-            </a:r>
-          </a:p>
-          <a:p>
+              <a:t>	A robot may not injure a human being, or, through inaction, allow a human being to come to harm</a:t>
+            </a:r>
             <a:r>
               <a:rPr lang="en-US" sz="1200" b="0" i="0" kern="1200" dirty="0" smtClean="0">
                 <a:solidFill>
@@ -678,8 +686,74 @@
                 <a:ea typeface="+mn-ea"/>
                 <a:cs typeface="+mn-cs"/>
               </a:rPr>
-              <a:t>	A robot must obey orders given it by human beings except where such orders would conflict with the First Law.</a:t>
-            </a:r>
+              <a:t>.</a:t>
+            </a:r>
+          </a:p>
+          <a:p>
+            <a:r>
+              <a:rPr lang="en-US" sz="1200" b="0" i="0" kern="1200" dirty="0" smtClean="0">
+                <a:solidFill>
+                  <a:schemeClr val="tx1"/>
+                </a:solidFill>
+                <a:latin typeface="Times New Roman" pitchFamily="18" charset="0"/>
+                <a:ea typeface="+mn-ea"/>
+                <a:cs typeface="+mn-cs"/>
+              </a:rPr>
+              <a:t>		-Human’s can’t be harmed</a:t>
+            </a:r>
+            <a:endParaRPr lang="en-US" sz="1200" b="0" i="0" kern="1200" dirty="0" smtClean="0">
+              <a:solidFill>
+                <a:schemeClr val="tx1"/>
+              </a:solidFill>
+              <a:latin typeface="Times New Roman" pitchFamily="18" charset="0"/>
+              <a:ea typeface="+mn-ea"/>
+              <a:cs typeface="+mn-cs"/>
+            </a:endParaRPr>
+          </a:p>
+          <a:p>
+            <a:r>
+              <a:rPr lang="en-US" sz="1200" b="0" i="0" kern="1200" dirty="0" smtClean="0">
+                <a:solidFill>
+                  <a:schemeClr val="tx1"/>
+                </a:solidFill>
+                <a:latin typeface="Times New Roman" pitchFamily="18" charset="0"/>
+                <a:ea typeface="+mn-ea"/>
+                <a:cs typeface="+mn-cs"/>
+              </a:rPr>
+              <a:t>	A robot must obey orders given it by human beings except where such orders would conflict with the First Law</a:t>
+            </a:r>
+            <a:r>
+              <a:rPr lang="en-US" sz="1200" b="0" i="0" kern="1200" dirty="0" smtClean="0">
+                <a:solidFill>
+                  <a:schemeClr val="tx1"/>
+                </a:solidFill>
+                <a:latin typeface="Times New Roman" pitchFamily="18" charset="0"/>
+                <a:ea typeface="+mn-ea"/>
+                <a:cs typeface="+mn-cs"/>
+              </a:rPr>
+              <a:t>.</a:t>
+            </a:r>
+          </a:p>
+          <a:p>
+            <a:r>
+              <a:rPr lang="en-US" sz="1200" b="0" i="0" kern="1200" dirty="0" smtClean="0">
+                <a:solidFill>
+                  <a:schemeClr val="tx1"/>
+                </a:solidFill>
+                <a:latin typeface="Times New Roman" pitchFamily="18" charset="0"/>
+                <a:ea typeface="+mn-ea"/>
+                <a:cs typeface="+mn-cs"/>
+              </a:rPr>
+              <a:t>		-Obey Human’s as long as Human’s safe</a:t>
+            </a:r>
+            <a:endParaRPr lang="en-US" sz="1200" b="0" i="0" kern="1200" dirty="0" smtClean="0">
+              <a:solidFill>
+                <a:schemeClr val="tx1"/>
+              </a:solidFill>
+              <a:latin typeface="Times New Roman" pitchFamily="18" charset="0"/>
+              <a:ea typeface="+mn-ea"/>
+              <a:cs typeface="+mn-cs"/>
+            </a:endParaRPr>
           </a:p>
           <a:p>
             <a:r>
@@ -713,8 +787,149 @@
                 <a:ea typeface="+mn-ea"/>
                 <a:cs typeface="+mn-cs"/>
               </a:rPr>
-              <a:t>6)</a:t>
-            </a:r>
+              <a:t>6</a:t>
+            </a:r>
+            <a:r>
+              <a:rPr lang="en-US" sz="1200" b="0" i="0" kern="1200" dirty="0" smtClean="0">
+                <a:solidFill>
+                  <a:schemeClr val="tx1"/>
+                </a:solidFill>
+                <a:latin typeface="Times New Roman" pitchFamily="18" charset="0"/>
+                <a:ea typeface="+mn-ea"/>
+                <a:cs typeface="+mn-cs"/>
+              </a:rPr>
+              <a:t>)</a:t>
+            </a:r>
+          </a:p>
+          <a:p>
+            <a:r>
+              <a:rPr lang="en-US" sz="1200" b="0" i="0" kern="1200" dirty="0" smtClean="0">
+                <a:solidFill>
+                  <a:schemeClr val="tx1"/>
+                </a:solidFill>
+                <a:latin typeface="Times New Roman" pitchFamily="18" charset="0"/>
+                <a:ea typeface="+mn-ea"/>
+                <a:cs typeface="+mn-cs"/>
+              </a:rPr>
+              <a:t>		-Protect self as long as obeying humans or</a:t>
+            </a:r>
+            <a:r>
+              <a:rPr lang="en-US" sz="1200" b="0" i="0" kern="1200" baseline="0" dirty="0" smtClean="0">
+                <a:solidFill>
+                  <a:schemeClr val="tx1"/>
+                </a:solidFill>
+                <a:latin typeface="Times New Roman" pitchFamily="18" charset="0"/>
+                <a:ea typeface="+mn-ea"/>
+                <a:cs typeface="+mn-cs"/>
+              </a:rPr>
+              <a:t> </a:t>
+            </a:r>
+            <a:r>
+              <a:rPr lang="en-US" sz="1200" b="0" i="0" kern="1200" dirty="0" smtClean="0">
+                <a:solidFill>
+                  <a:schemeClr val="tx1"/>
+                </a:solidFill>
+                <a:latin typeface="Times New Roman" pitchFamily="18" charset="0"/>
+                <a:ea typeface="+mn-ea"/>
+                <a:cs typeface="+mn-cs"/>
+              </a:rPr>
+              <a:t>human’s safe</a:t>
+            </a:r>
+          </a:p>
+          <a:p>
+            <a:r>
+              <a:rPr lang="en-US" sz="1200" b="0" i="0" kern="1200" dirty="0" smtClean="0">
+                <a:solidFill>
+                  <a:schemeClr val="tx1"/>
+                </a:solidFill>
+                <a:latin typeface="Times New Roman" pitchFamily="18" charset="0"/>
+                <a:ea typeface="+mn-ea"/>
+                <a:cs typeface="+mn-cs"/>
+              </a:rPr>
+              <a:t>2) IBM’s Watson</a:t>
+            </a:r>
+          </a:p>
+          <a:p>
+            <a:r>
+              <a:rPr lang="en-US" sz="1200" b="0" i="0" kern="1200" dirty="0" smtClean="0">
+                <a:solidFill>
+                  <a:schemeClr val="tx1"/>
+                </a:solidFill>
+                <a:latin typeface="Times New Roman" pitchFamily="18" charset="0"/>
+                <a:ea typeface="+mn-ea"/>
+                <a:cs typeface="+mn-cs"/>
+              </a:rPr>
+              <a:t>	Central repository of information,</a:t>
+            </a:r>
+            <a:r>
+              <a:rPr lang="en-US" sz="1200" b="0" i="0" kern="1200" baseline="0" dirty="0" smtClean="0">
+                <a:solidFill>
+                  <a:schemeClr val="tx1"/>
+                </a:solidFill>
+                <a:latin typeface="Times New Roman" pitchFamily="18" charset="0"/>
+                <a:ea typeface="+mn-ea"/>
+                <a:cs typeface="+mn-cs"/>
+              </a:rPr>
+              <a:t> interprets and provides solutions</a:t>
+            </a:r>
+          </a:p>
+          <a:p>
+            <a:r>
+              <a:rPr lang="en-US" sz="1200" b="0" i="0" kern="1200" baseline="0" dirty="0" smtClean="0">
+                <a:solidFill>
+                  <a:schemeClr val="tx1"/>
+                </a:solidFill>
+                <a:latin typeface="Times New Roman" pitchFamily="18" charset="0"/>
+                <a:ea typeface="+mn-ea"/>
+                <a:cs typeface="+mn-cs"/>
+              </a:rPr>
+              <a:t>		-Restricted solely towards its sole objective, possibly experts may be replaced for Watson</a:t>
+            </a:r>
+          </a:p>
+          <a:p>
+            <a:r>
+              <a:rPr lang="en-US" sz="1200" b="0" i="0" kern="1200" baseline="0" dirty="0" smtClean="0">
+                <a:solidFill>
+                  <a:schemeClr val="tx1"/>
+                </a:solidFill>
+                <a:latin typeface="Times New Roman" pitchFamily="18" charset="0"/>
+                <a:ea typeface="+mn-ea"/>
+                <a:cs typeface="+mn-cs"/>
+              </a:rPr>
+              <a:t>	</a:t>
+            </a:r>
+          </a:p>
+          <a:p>
+            <a:r>
+              <a:rPr lang="en-US" sz="1200" b="0" i="0" kern="1200" baseline="0" dirty="0" smtClean="0">
+                <a:solidFill>
+                  <a:schemeClr val="tx1"/>
+                </a:solidFill>
+                <a:latin typeface="Times New Roman" pitchFamily="18" charset="0"/>
+                <a:ea typeface="+mn-ea"/>
+                <a:cs typeface="+mn-cs"/>
+              </a:rPr>
+              <a:t>3) AI Becoming decentralized: More specific AI allows us to weed out what would be considered “Right or Wrong” in </a:t>
+            </a:r>
+            <a:r>
+              <a:rPr lang="en-US" sz="1200" b="0" i="0" kern="1200" baseline="0" smtClean="0">
+                <a:solidFill>
+                  <a:schemeClr val="tx1"/>
+                </a:solidFill>
+                <a:latin typeface="Times New Roman" pitchFamily="18" charset="0"/>
+                <a:ea typeface="+mn-ea"/>
+                <a:cs typeface="+mn-cs"/>
+              </a:rPr>
+              <a:t>our society</a:t>
+            </a:r>
+            <a:endParaRPr lang="en-US" sz="1200" b="0" i="0" kern="1200" dirty="0" smtClean="0">
+              <a:solidFill>
+                <a:schemeClr val="tx1"/>
+              </a:solidFill>
+              <a:latin typeface="Times New Roman" pitchFamily="18" charset="0"/>
+              <a:ea typeface="+mn-ea"/>
+              <a:cs typeface="+mn-cs"/>
+            </a:endParaRPr>
           </a:p>
           <a:p>
             <a:pPr marL="685800" lvl="1" indent="-228600">
@@ -4236,352 +4451,6 @@
           <a:chExt cx="0" cy="0"/>
         </a:xfrm>
       </p:grpSpPr>
-      <p:sp>
-        <p:nvSpPr>
-          <p:cNvPr id="11265" name="Rectangle 1"/>
-          <p:cNvSpPr>
-            <a:spLocks noGrp="1" noChangeArrowheads="1"/>
-          </p:cNvSpPr>
-          <p:nvPr>
-            <p:ph type="title"/>
-          </p:nvPr>
-        </p:nvSpPr>
-        <p:spPr>
-          <a:xfrm>
-            <a:off x="247650" y="304800"/>
-            <a:ext cx="9664700" cy="914400"/>
-          </a:xfrm>
-        </p:spPr>
-        <p:txBody>
-          <a:bodyPr lIns="0" tIns="0" rIns="0" bIns="0" anchor="t"/>
-          <a:lstStyle/>
-          <a:p>
-            <a:pPr algn="l">
-              <a:lnSpc>
-                <a:spcPct val="95000"/>
-              </a:lnSpc>
-            </a:pPr>
-            <a:r>
-              <a:rPr lang="en-US" sz="4300">
-                <a:solidFill>
-                  <a:srgbClr val="DEDEDE"/>
-                </a:solidFill>
-                <a:latin typeface="Trebuchet MS" pitchFamily="34" charset="0"/>
-              </a:rPr>
-              <a:t>Ethics</a:t>
-            </a:r>
-          </a:p>
-        </p:txBody>
-      </p:sp>
-      <p:sp>
-        <p:nvSpPr>
-          <p:cNvPr id="11266" name="Rectangle 2"/>
-          <p:cNvSpPr>
-            <a:spLocks noGrp="1" noChangeArrowheads="1"/>
-          </p:cNvSpPr>
-          <p:nvPr>
-            <p:ph idx="1"/>
-          </p:nvPr>
-        </p:nvSpPr>
-        <p:spPr>
-          <a:xfrm>
-            <a:off x="247650" y="1828800"/>
-            <a:ext cx="9664700" cy="5486400"/>
-          </a:xfrm>
-        </p:spPr>
-        <p:txBody>
-          <a:bodyPr lIns="0" tIns="0" rIns="0" bIns="0"/>
-          <a:lstStyle/>
-          <a:p>
-            <a:pPr marL="0" indent="0">
-              <a:lnSpc>
-                <a:spcPct val="95000"/>
-              </a:lnSpc>
-              <a:spcBef>
-                <a:spcPct val="0"/>
-              </a:spcBef>
-              <a:buFontTx/>
-              <a:buNone/>
-            </a:pPr>
-            <a:r>
-              <a:rPr lang="en-US" sz="2700" dirty="0">
-                <a:solidFill>
-                  <a:srgbClr val="DEDEDE"/>
-                </a:solidFill>
-                <a:latin typeface="Trebuchet MS" pitchFamily="34" charset="0"/>
-              </a:rPr>
-              <a:t> </a:t>
-            </a:r>
-          </a:p>
-        </p:txBody>
-      </p:sp>
-      <p:sp>
-        <p:nvSpPr>
-          <p:cNvPr id="4" name="Rectangle 2"/>
-          <p:cNvSpPr txBox="1">
-            <a:spLocks noChangeArrowheads="1"/>
-          </p:cNvSpPr>
-          <p:nvPr/>
-        </p:nvSpPr>
-        <p:spPr>
-          <a:xfrm>
-            <a:off x="400050" y="1981200"/>
-            <a:ext cx="9664700" cy="5486400"/>
-          </a:xfrm>
-          <a:prstGeom prst="rect">
-            <a:avLst/>
-          </a:prstGeom>
-        </p:spPr>
-        <p:txBody>
-          <a:bodyPr vert="horz" lIns="0" tIns="0" rIns="0" bIns="0">
-            <a:normAutofit/>
-          </a:bodyPr>
-          <a:lstStyle/>
-          <a:p>
-            <a:pPr marL="0" marR="0" lvl="0" indent="0" algn="l" defTabSz="914400" rtl="0" eaLnBrk="1" fontAlgn="auto" latinLnBrk="0" hangingPunct="1">
-              <a:lnSpc>
-                <a:spcPct val="95000"/>
-              </a:lnSpc>
-              <a:spcBef>
-                <a:spcPct val="0"/>
-              </a:spcBef>
-              <a:spcAft>
-                <a:spcPts val="0"/>
-              </a:spcAft>
-              <a:buClr>
-                <a:schemeClr val="accent1"/>
-              </a:buClr>
-              <a:buSzPct val="80000"/>
-              <a:tabLst/>
-              <a:defRPr/>
-            </a:pPr>
-            <a:endParaRPr kumimoji="0" lang="en-US" sz="2700" b="0" i="0" u="none" strike="noStrike" kern="1200" cap="none" spc="0" normalizeH="0" baseline="0" noProof="0" dirty="0">
-              <a:ln>
-                <a:noFill/>
-              </a:ln>
-              <a:solidFill>
-                <a:srgbClr val="DEDEDE"/>
-              </a:solidFill>
-              <a:effectLst/>
-              <a:uLnTx/>
-              <a:uFillTx/>
-              <a:latin typeface="Trebuchet MS" pitchFamily="34" charset="0"/>
-              <a:ea typeface="+mn-ea"/>
-              <a:cs typeface="+mn-cs"/>
-            </a:endParaRPr>
-          </a:p>
-        </p:txBody>
-      </p:sp>
-      <p:sp>
-        <p:nvSpPr>
-          <p:cNvPr id="5" name="Rectangle 4"/>
-          <p:cNvSpPr/>
-          <p:nvPr/>
-        </p:nvSpPr>
-        <p:spPr>
-          <a:xfrm>
-            <a:off x="431800" y="1295401"/>
-            <a:ext cx="9296400" cy="3907993"/>
-          </a:xfrm>
-          <a:prstGeom prst="rect">
-            <a:avLst/>
-          </a:prstGeom>
-        </p:spPr>
-        <p:txBody>
-          <a:bodyPr wrap="square">
-            <a:spAutoFit/>
-          </a:bodyPr>
-          <a:lstStyle/>
-          <a:p>
-            <a:pPr lvl="1" indent="-342900">
-              <a:lnSpc>
-                <a:spcPct val="95000"/>
-              </a:lnSpc>
-              <a:buClr>
-                <a:srgbClr val="000000"/>
-              </a:buClr>
-              <a:buFontTx/>
-              <a:buChar char="•"/>
-            </a:pPr>
-            <a:r>
-              <a:rPr lang="en-US" sz="2700" dirty="0" smtClean="0">
-                <a:solidFill>
-                  <a:srgbClr val="DEDEDE"/>
-                </a:solidFill>
-                <a:latin typeface="Trebuchet MS" pitchFamily="34" charset="0"/>
-              </a:rPr>
-              <a:t>What is truly right? For humans? For robots?</a:t>
-            </a:r>
-          </a:p>
-          <a:p>
-            <a:pPr lvl="2" indent="-342900">
-              <a:lnSpc>
-                <a:spcPct val="95000"/>
-              </a:lnSpc>
-              <a:buClr>
-                <a:srgbClr val="000000"/>
-              </a:buClr>
-              <a:buFontTx/>
-              <a:buChar char="•"/>
-            </a:pPr>
-            <a:r>
-              <a:rPr lang="en-US" sz="2700" dirty="0" smtClean="0">
-                <a:solidFill>
-                  <a:srgbClr val="DEDEDE"/>
-                </a:solidFill>
-                <a:latin typeface="Trebuchet MS" pitchFamily="34" charset="0"/>
-              </a:rPr>
-              <a:t>Asimov’s Three Sets of Robotic Laws (Runaround)</a:t>
-            </a:r>
-          </a:p>
-          <a:p>
-            <a:pPr lvl="3" indent="-342900">
-              <a:lnSpc>
-                <a:spcPct val="95000"/>
-              </a:lnSpc>
-              <a:buClr>
-                <a:srgbClr val="000000"/>
-              </a:buClr>
-            </a:pPr>
-            <a:endParaRPr lang="en-US" sz="2700" dirty="0" smtClean="0">
-              <a:solidFill>
-                <a:srgbClr val="DEDEDE"/>
-              </a:solidFill>
-              <a:latin typeface="Trebuchet MS" pitchFamily="34" charset="0"/>
-            </a:endParaRPr>
-          </a:p>
-          <a:p>
-            <a:pPr lvl="1" indent="-342900">
-              <a:lnSpc>
-                <a:spcPct val="95000"/>
-              </a:lnSpc>
-              <a:buClr>
-                <a:srgbClr val="000000"/>
-              </a:buClr>
-              <a:buFontTx/>
-              <a:buChar char="•"/>
-            </a:pPr>
-            <a:r>
-              <a:rPr lang="en-US" sz="2700" dirty="0" smtClean="0">
-                <a:solidFill>
-                  <a:srgbClr val="DEDEDE"/>
-                </a:solidFill>
-                <a:latin typeface="Trebuchet MS" pitchFamily="34" charset="0"/>
-              </a:rPr>
-              <a:t>Replacing humans with robots</a:t>
-            </a:r>
-            <a:br>
-              <a:rPr lang="en-US" sz="2700" dirty="0" smtClean="0">
-                <a:solidFill>
-                  <a:srgbClr val="DEDEDE"/>
-                </a:solidFill>
-                <a:latin typeface="Trebuchet MS" pitchFamily="34" charset="0"/>
-              </a:rPr>
-            </a:br>
-            <a:endParaRPr lang="en-US" sz="2700" dirty="0" smtClean="0">
-              <a:solidFill>
-                <a:srgbClr val="DEDEDE"/>
-              </a:solidFill>
-              <a:latin typeface="Trebuchet MS" pitchFamily="34" charset="0"/>
-            </a:endParaRPr>
-          </a:p>
-          <a:p>
-            <a:pPr lvl="1" indent="-342900">
-              <a:lnSpc>
-                <a:spcPct val="95000"/>
-              </a:lnSpc>
-              <a:buClr>
-                <a:srgbClr val="000000"/>
-              </a:buClr>
-              <a:buFontTx/>
-              <a:buChar char="•"/>
-            </a:pPr>
-            <a:r>
-              <a:rPr lang="en-US" sz="2700" dirty="0" smtClean="0">
-                <a:solidFill>
-                  <a:srgbClr val="DEDEDE"/>
-                </a:solidFill>
-                <a:latin typeface="Trebuchet MS" pitchFamily="34" charset="0"/>
-              </a:rPr>
-              <a:t>Capable of so much, but to what extent?</a:t>
-            </a:r>
-          </a:p>
-          <a:p>
-            <a:pPr lvl="2" indent="-342900">
-              <a:lnSpc>
-                <a:spcPct val="95000"/>
-              </a:lnSpc>
-              <a:buClr>
-                <a:srgbClr val="000000"/>
-              </a:buClr>
-              <a:buFontTx/>
-              <a:buChar char="•"/>
-            </a:pPr>
-            <a:r>
-              <a:rPr lang="en-US" sz="2700" dirty="0" smtClean="0">
-                <a:solidFill>
-                  <a:srgbClr val="DEDEDE"/>
-                </a:solidFill>
-                <a:latin typeface="Trebuchet MS" pitchFamily="34" charset="0"/>
-              </a:rPr>
-              <a:t>“We have hundreds of examples today of Narrow AI… and the narrowness is gradually getting less narrow”</a:t>
-            </a:r>
-          </a:p>
-          <a:p>
-            <a:pPr lvl="3" indent="-342900">
-              <a:lnSpc>
-                <a:spcPct val="95000"/>
-              </a:lnSpc>
-              <a:buClr>
-                <a:srgbClr val="000000"/>
-              </a:buClr>
-              <a:buFontTx/>
-              <a:buChar char="•"/>
-            </a:pPr>
-            <a:r>
-              <a:rPr lang="en-US" sz="1800" dirty="0" err="1" smtClean="0">
-                <a:solidFill>
-                  <a:srgbClr val="DEDEDE"/>
-                </a:solidFill>
-                <a:latin typeface="Trebuchet MS" pitchFamily="34" charset="0"/>
-              </a:rPr>
-              <a:t>Kurzweil’s</a:t>
-            </a:r>
-            <a:r>
-              <a:rPr lang="en-US" sz="1800" dirty="0" smtClean="0">
-                <a:solidFill>
-                  <a:srgbClr val="DEDEDE"/>
-                </a:solidFill>
-                <a:latin typeface="Trebuchet MS" pitchFamily="34" charset="0"/>
-              </a:rPr>
-              <a:t> “Merging with the Machines”</a:t>
-            </a:r>
-            <a:r>
-              <a:rPr lang="en-US" sz="2700" dirty="0" smtClean="0">
-                <a:solidFill>
-                  <a:srgbClr val="DEDEDE"/>
-                </a:solidFill>
-                <a:latin typeface="Trebuchet MS" pitchFamily="34" charset="0"/>
-              </a:rPr>
-              <a:t/>
-            </a:r>
-            <a:br>
-              <a:rPr lang="en-US" sz="2700" dirty="0" smtClean="0">
-                <a:solidFill>
-                  <a:srgbClr val="DEDEDE"/>
-                </a:solidFill>
-                <a:latin typeface="Trebuchet MS" pitchFamily="34" charset="0"/>
-              </a:rPr>
-            </a:br>
-            <a:endParaRPr lang="en-US" sz="2700" dirty="0" smtClean="0">
-              <a:solidFill>
-                <a:srgbClr val="DEDEDE"/>
-              </a:solidFill>
-              <a:latin typeface="Trebuchet MS" pitchFamily="34" charset="0"/>
-            </a:endParaRPr>
-          </a:p>
-        </p:txBody>
-      </p:sp>
       <p:pic>
         <p:nvPicPr>
           <p:cNvPr id="6" name="Picture 5" descr="worthingtonterminator.jpg"/>
@@ -4598,14 +4467,295 @@
         </p:blipFill>
         <p:spPr>
           <a:xfrm>
-            <a:off x="3835400" y="4976110"/>
-            <a:ext cx="6324600" cy="2643890"/>
+            <a:off x="4114800" y="5092908"/>
+            <a:ext cx="6045200" cy="2527092"/>
           </a:xfrm>
           <a:prstGeom prst="rect">
             <a:avLst/>
           </a:prstGeom>
         </p:spPr>
       </p:pic>
+      <p:sp>
+        <p:nvSpPr>
+          <p:cNvPr id="11265" name="Rectangle 1"/>
+          <p:cNvSpPr>
+            <a:spLocks noGrp="1" noChangeArrowheads="1"/>
+          </p:cNvSpPr>
+          <p:nvPr>
+            <p:ph type="title"/>
+          </p:nvPr>
+        </p:nvSpPr>
+        <p:spPr>
+          <a:xfrm>
+            <a:off x="247650" y="304800"/>
+            <a:ext cx="9664700" cy="914400"/>
+          </a:xfrm>
+        </p:spPr>
+        <p:txBody>
+          <a:bodyPr lIns="0" tIns="0" rIns="0" bIns="0" anchor="t"/>
+          <a:lstStyle/>
+          <a:p>
+            <a:pPr algn="l">
+              <a:lnSpc>
+                <a:spcPct val="95000"/>
+              </a:lnSpc>
+            </a:pPr>
+            <a:r>
+              <a:rPr lang="en-US" sz="4300">
+                <a:solidFill>
+                  <a:srgbClr val="DEDEDE"/>
+                </a:solidFill>
+                <a:latin typeface="Trebuchet MS" pitchFamily="34" charset="0"/>
+              </a:rPr>
+              <a:t>Ethics</a:t>
+            </a:r>
+          </a:p>
+        </p:txBody>
+      </p:sp>
+      <p:sp>
+        <p:nvSpPr>
+          <p:cNvPr id="5" name="Rectangle 4"/>
+          <p:cNvSpPr/>
+          <p:nvPr/>
+        </p:nvSpPr>
+        <p:spPr>
+          <a:xfrm>
+            <a:off x="431800" y="1295401"/>
+            <a:ext cx="9296400" cy="4302716"/>
+          </a:xfrm>
+          <a:prstGeom prst="rect">
+            <a:avLst/>
+          </a:prstGeom>
+        </p:spPr>
+        <p:txBody>
+          <a:bodyPr wrap="square">
+            <a:spAutoFit/>
+          </a:bodyPr>
+          <a:lstStyle/>
+          <a:p>
+            <a:pPr lvl="1" indent="-342900">
+              <a:lnSpc>
+                <a:spcPct val="95000"/>
+              </a:lnSpc>
+              <a:buClr>
+                <a:srgbClr val="000000"/>
+              </a:buClr>
+              <a:buFontTx/>
+              <a:buChar char="•"/>
+            </a:pPr>
+            <a:r>
+              <a:rPr lang="en-US" sz="2700" dirty="0" smtClean="0">
+                <a:solidFill>
+                  <a:srgbClr val="DEDEDE"/>
+                </a:solidFill>
+                <a:latin typeface="Trebuchet MS" pitchFamily="34" charset="0"/>
+              </a:rPr>
+              <a:t>What is truly right? For humans? For robots?</a:t>
+            </a:r>
+          </a:p>
+          <a:p>
+            <a:pPr lvl="2" indent="-342900">
+              <a:lnSpc>
+                <a:spcPct val="95000"/>
+              </a:lnSpc>
+              <a:buClr>
+                <a:srgbClr val="000000"/>
+              </a:buClr>
+              <a:buFontTx/>
+              <a:buChar char="•"/>
+            </a:pPr>
+            <a:r>
+              <a:rPr lang="en-US" sz="2700" dirty="0" smtClean="0">
+                <a:solidFill>
+                  <a:srgbClr val="DEDEDE"/>
+                </a:solidFill>
+                <a:latin typeface="Trebuchet MS" pitchFamily="34" charset="0"/>
+              </a:rPr>
+              <a:t>Asimov’s Three Sets of Robotic Laws (Runaround)</a:t>
+            </a:r>
+          </a:p>
+          <a:p>
+            <a:pPr lvl="3" indent="-342900">
+              <a:lnSpc>
+                <a:spcPct val="95000"/>
+              </a:lnSpc>
+              <a:buClr>
+                <a:srgbClr val="000000"/>
+              </a:buClr>
+            </a:pPr>
+            <a:endParaRPr lang="en-US" sz="2700" dirty="0" smtClean="0">
+              <a:solidFill>
+                <a:srgbClr val="DEDEDE"/>
+              </a:solidFill>
+              <a:latin typeface="Trebuchet MS" pitchFamily="34" charset="0"/>
+            </a:endParaRPr>
+          </a:p>
+          <a:p>
+            <a:pPr lvl="1" indent="-342900">
+              <a:lnSpc>
+                <a:spcPct val="95000"/>
+              </a:lnSpc>
+              <a:buClr>
+                <a:srgbClr val="000000"/>
+              </a:buClr>
+              <a:buFontTx/>
+              <a:buChar char="•"/>
+            </a:pPr>
+            <a:r>
+              <a:rPr lang="en-US" sz="2700" dirty="0" smtClean="0">
+                <a:solidFill>
+                  <a:srgbClr val="DEDEDE"/>
+                </a:solidFill>
+                <a:latin typeface="Trebuchet MS" pitchFamily="34" charset="0"/>
+              </a:rPr>
+              <a:t>Replacing humans with </a:t>
+            </a:r>
+            <a:r>
+              <a:rPr lang="en-US" sz="2700" dirty="0" smtClean="0">
+                <a:solidFill>
+                  <a:srgbClr val="DEDEDE"/>
+                </a:solidFill>
+                <a:latin typeface="Trebuchet MS" pitchFamily="34" charset="0"/>
+              </a:rPr>
+              <a:t>robots</a:t>
+            </a:r>
+          </a:p>
+          <a:p>
+            <a:pPr lvl="2" indent="-342900">
+              <a:lnSpc>
+                <a:spcPct val="95000"/>
+              </a:lnSpc>
+              <a:buClr>
+                <a:srgbClr val="000000"/>
+              </a:buClr>
+              <a:buFontTx/>
+              <a:buChar char="•"/>
+            </a:pPr>
+            <a:r>
+              <a:rPr lang="en-US" sz="2700" dirty="0" smtClean="0">
+                <a:solidFill>
+                  <a:srgbClr val="DEDEDE"/>
+                </a:solidFill>
+                <a:latin typeface="Trebuchet MS" pitchFamily="34" charset="0"/>
+              </a:rPr>
+              <a:t>IBM’s “Watson” - Jeopardy’s Q&amp;A Repository</a:t>
+            </a:r>
+          </a:p>
+          <a:p>
+            <a:pPr lvl="2" indent="-342900">
+              <a:lnSpc>
+                <a:spcPct val="95000"/>
+              </a:lnSpc>
+              <a:buClr>
+                <a:srgbClr val="000000"/>
+              </a:buClr>
+              <a:buFontTx/>
+              <a:buChar char="•"/>
+            </a:pPr>
+            <a:endParaRPr lang="en-US" sz="2700" dirty="0" smtClean="0">
+              <a:solidFill>
+                <a:srgbClr val="DEDEDE"/>
+              </a:solidFill>
+              <a:latin typeface="Trebuchet MS" pitchFamily="34" charset="0"/>
+            </a:endParaRPr>
+          </a:p>
+          <a:p>
+            <a:pPr lvl="1" indent="-342900">
+              <a:lnSpc>
+                <a:spcPct val="95000"/>
+              </a:lnSpc>
+              <a:buClr>
+                <a:srgbClr val="000000"/>
+              </a:buClr>
+              <a:buFontTx/>
+              <a:buChar char="•"/>
+            </a:pPr>
+            <a:r>
+              <a:rPr lang="en-US" sz="2700" dirty="0" smtClean="0">
+                <a:solidFill>
+                  <a:srgbClr val="DEDEDE"/>
+                </a:solidFill>
+                <a:latin typeface="Trebuchet MS" pitchFamily="34" charset="0"/>
+              </a:rPr>
+              <a:t>Capable of so much, but to what extent?</a:t>
+            </a:r>
+          </a:p>
+          <a:p>
+            <a:pPr lvl="2" indent="-342900">
+              <a:lnSpc>
+                <a:spcPct val="95000"/>
+              </a:lnSpc>
+              <a:buClr>
+                <a:srgbClr val="000000"/>
+              </a:buClr>
+              <a:buFontTx/>
+              <a:buChar char="•"/>
+            </a:pPr>
+            <a:r>
+              <a:rPr lang="en-US" sz="2700" dirty="0" smtClean="0">
+                <a:solidFill>
+                  <a:srgbClr val="DEDEDE"/>
+                </a:solidFill>
+                <a:latin typeface="Trebuchet MS" pitchFamily="34" charset="0"/>
+              </a:rPr>
+              <a:t>“We have hundreds of examples today of Narrow AI… and the narrowness is gradually getting less narrow”</a:t>
+            </a:r>
+          </a:p>
+          <a:p>
+            <a:pPr lvl="3" indent="-342900">
+              <a:lnSpc>
+                <a:spcPct val="95000"/>
+              </a:lnSpc>
+              <a:buClr>
+                <a:srgbClr val="000000"/>
+              </a:buClr>
+              <a:buFontTx/>
+              <a:buChar char="•"/>
+            </a:pPr>
+            <a:r>
+              <a:rPr lang="en-US" sz="1800" dirty="0" err="1" smtClean="0">
+                <a:solidFill>
+                  <a:srgbClr val="DEDEDE"/>
+                </a:solidFill>
+                <a:latin typeface="Trebuchet MS" pitchFamily="34" charset="0"/>
+              </a:rPr>
+              <a:t>Kurzweil’s</a:t>
+            </a:r>
+            <a:r>
+              <a:rPr lang="en-US" sz="1800" dirty="0" smtClean="0">
+                <a:solidFill>
+                  <a:srgbClr val="DEDEDE"/>
+                </a:solidFill>
+                <a:latin typeface="Trebuchet MS" pitchFamily="34" charset="0"/>
+              </a:rPr>
+              <a:t> “Merging with the Machines”</a:t>
+            </a:r>
+            <a:r>
+              <a:rPr lang="en-US" sz="2700" dirty="0" smtClean="0">
+                <a:solidFill>
+                  <a:srgbClr val="DEDEDE"/>
+                </a:solidFill>
+                <a:latin typeface="Trebuchet MS" pitchFamily="34" charset="0"/>
+              </a:rPr>
+              <a:t/>
+            </a:r>
+            <a:br>
+              <a:rPr lang="en-US" sz="2700" dirty="0" smtClean="0">
+                <a:solidFill>
+                  <a:srgbClr val="DEDEDE"/>
+                </a:solidFill>
+                <a:latin typeface="Trebuchet MS" pitchFamily="34" charset="0"/>
+              </a:rPr>
+            </a:br>
+            <a:endParaRPr lang="en-US" sz="2700" dirty="0" smtClean="0">
+              <a:solidFill>
+                <a:srgbClr val="DEDEDE"/>
+              </a:solidFill>
+              <a:latin typeface="Trebuchet MS" pitchFamily="34" charset="0"/>
+            </a:endParaRPr>
+          </a:p>
+        </p:txBody>
+      </p:sp>
       <p:sp>
         <p:nvSpPr>
           <p:cNvPr id="8" name="TextBox 7"/>
